--- a/baler-prj/presentation/baker-MNIST.pptx
+++ b/baler-prj/presentation/baker-MNIST.pptx
@@ -5,7 +5,7 @@
     <p:sldMasterId id="2147483660" r:id="rId1"/>
   </p:sldMasterIdLst>
   <p:notesMasterIdLst>
-    <p:notesMasterId r:id="rId11"/>
+    <p:notesMasterId r:id="rId12"/>
   </p:notesMasterIdLst>
   <p:sldIdLst>
     <p:sldId id="256" r:id="rId2"/>
@@ -13,10 +13,11 @@
     <p:sldId id="258" r:id="rId4"/>
     <p:sldId id="264" r:id="rId5"/>
     <p:sldId id="259" r:id="rId6"/>
-    <p:sldId id="260" r:id="rId7"/>
-    <p:sldId id="261" r:id="rId8"/>
+    <p:sldId id="261" r:id="rId7"/>
+    <p:sldId id="260" r:id="rId8"/>
     <p:sldId id="262" r:id="rId9"/>
     <p:sldId id="263" r:id="rId10"/>
+    <p:sldId id="265" r:id="rId11"/>
   </p:sldIdLst>
   <p:sldSz cx="12192000" cy="6858000"/>
   <p:notesSz cx="6858000" cy="9144000"/>
@@ -115,6 +116,11 @@
       </a:defRPr>
     </a:lvl9pPr>
   </p:defaultTextStyle>
+  <p:extLst>
+    <p:ext uri="{EFAFB233-063F-42B5-8137-9DF3F51BA10A}">
+      <p15:sldGuideLst xmlns:p15="http://schemas.microsoft.com/office/powerpoint/2012/main"/>
+    </p:ext>
+  </p:extLst>
 </p:presentation>
 </file>
 
@@ -200,7 +206,7 @@
           <a:p>
             <a:fld id="{67748145-11E4-4D2E-83D0-A3D3C3520227}" type="datetimeFigureOut">
               <a:rPr lang="en-US" smtClean="0"/>
-              <a:t>12/1/2016</a:t>
+              <a:t>12/7/2016</a:t>
             </a:fld>
             <a:endParaRPr lang="en-US"/>
           </a:p>
@@ -295,7 +301,6 @@
               <a:rPr lang="en-US"/>
               <a:t>Fifth level</a:t>
             </a:r>
-            <a:endParaRPr lang="en-US"/>
           </a:p>
         </p:txBody>
       </p:sp>
@@ -514,19 +519,11 @@
           <a:p>
             <a:r>
               <a:rPr lang="en-US" dirty="0"/>
-              <a:t>This is pretty</a:t>
+              <a:t>Talk about the uses</a:t>
             </a:r>
             <a:r>
               <a:rPr lang="en-US" baseline="0" dirty="0"/>
-              <a:t> </a:t>
-            </a:r>
-            <a:r>
-              <a:rPr lang="en-US" baseline="0" dirty="0" err="1"/>
-              <a:t>simpl</a:t>
-            </a:r>
-            <a:r>
-              <a:rPr lang="en-US" baseline="0" dirty="0"/>
-              <a:t>	e</a:t>
+              <a:t> for this, like government forms and accurate database inputs</a:t>
             </a:r>
             <a:endParaRPr lang="en-US" dirty="0"/>
           </a:p>
@@ -549,7 +546,7 @@
           <a:p>
             <a:fld id="{DF7E7803-7780-45CE-B7DD-12B724215A49}" type="slidenum">
               <a:rPr lang="en-US" smtClean="0"/>
-              <a:t>6</a:t>
+              <a:t>2</a:t>
             </a:fld>
             <a:endParaRPr lang="en-US"/>
           </a:p>
@@ -558,7 +555,7 @@
     </p:spTree>
     <p:extLst>
       <p:ext uri="{BB962C8B-B14F-4D97-AF65-F5344CB8AC3E}">
-        <p14:creationId xmlns:p14="http://schemas.microsoft.com/office/powerpoint/2010/main" val="3361010385"/>
+        <p14:creationId xmlns:p14="http://schemas.microsoft.com/office/powerpoint/2010/main" val="4238029636"/>
       </p:ext>
     </p:extLst>
   </p:cSld>
@@ -614,6 +611,387 @@
           <a:p>
             <a:r>
               <a:rPr lang="en-US" dirty="0"/>
+              <a:t>Talk</a:t>
+            </a:r>
+            <a:r>
+              <a:rPr lang="en-US" baseline="0" dirty="0"/>
+              <a:t> about the history of MNIST</a:t>
+            </a:r>
+            <a:endParaRPr lang="en-US" dirty="0"/>
+          </a:p>
+        </p:txBody>
+      </p:sp>
+      <p:sp>
+        <p:nvSpPr>
+          <p:cNvPr id="4" name="Slide Number Placeholder 3"/>
+          <p:cNvSpPr>
+            <a:spLocks noGrp="1"/>
+          </p:cNvSpPr>
+          <p:nvPr>
+            <p:ph type="sldNum" sz="quarter" idx="10"/>
+          </p:nvPr>
+        </p:nvSpPr>
+        <p:spPr/>
+        <p:txBody>
+          <a:bodyPr/>
+          <a:lstStyle/>
+          <a:p>
+            <a:fld id="{DF7E7803-7780-45CE-B7DD-12B724215A49}" type="slidenum">
+              <a:rPr lang="en-US" smtClean="0"/>
+              <a:t>3</a:t>
+            </a:fld>
+            <a:endParaRPr lang="en-US"/>
+          </a:p>
+        </p:txBody>
+      </p:sp>
+    </p:spTree>
+    <p:extLst>
+      <p:ext uri="{BB962C8B-B14F-4D97-AF65-F5344CB8AC3E}">
+        <p14:creationId xmlns:p14="http://schemas.microsoft.com/office/powerpoint/2010/main" val="39737898"/>
+      </p:ext>
+    </p:extLst>
+  </p:cSld>
+  <p:clrMapOvr>
+    <a:masterClrMapping/>
+  </p:clrMapOvr>
+</p:notes>
+</file>
+
+<file path=ppt/notesSlides/notesSlide3.xml><?xml version="1.0" encoding="utf-8"?>
+<p:notes xmlns:a="http://schemas.openxmlformats.org/drawingml/2006/main" xmlns:r="http://schemas.openxmlformats.org/officeDocument/2006/relationships" xmlns:p="http://schemas.openxmlformats.org/presentationml/2006/main">
+  <p:cSld>
+    <p:spTree>
+      <p:nvGrpSpPr>
+        <p:cNvPr id="1" name=""/>
+        <p:cNvGrpSpPr/>
+        <p:nvPr/>
+      </p:nvGrpSpPr>
+      <p:grpSpPr>
+        <a:xfrm>
+          <a:off x="0" y="0"/>
+          <a:ext cx="0" cy="0"/>
+          <a:chOff x="0" y="0"/>
+          <a:chExt cx="0" cy="0"/>
+        </a:xfrm>
+      </p:grpSpPr>
+      <p:sp>
+        <p:nvSpPr>
+          <p:cNvPr id="2" name="Slide Image Placeholder 1"/>
+          <p:cNvSpPr>
+            <a:spLocks noGrp="1" noRot="1" noChangeAspect="1"/>
+          </p:cNvSpPr>
+          <p:nvPr>
+            <p:ph type="sldImg"/>
+          </p:nvPr>
+        </p:nvSpPr>
+        <p:spPr/>
+      </p:sp>
+      <p:sp>
+        <p:nvSpPr>
+          <p:cNvPr id="3" name="Notes Placeholder 2"/>
+          <p:cNvSpPr>
+            <a:spLocks noGrp="1"/>
+          </p:cNvSpPr>
+          <p:nvPr>
+            <p:ph type="body" idx="1"/>
+          </p:nvPr>
+        </p:nvSpPr>
+        <p:spPr/>
+        <p:txBody>
+          <a:bodyPr/>
+          <a:lstStyle/>
+          <a:p>
+            <a:endParaRPr lang="en-US" dirty="0"/>
+          </a:p>
+        </p:txBody>
+      </p:sp>
+      <p:sp>
+        <p:nvSpPr>
+          <p:cNvPr id="4" name="Slide Number Placeholder 3"/>
+          <p:cNvSpPr>
+            <a:spLocks noGrp="1"/>
+          </p:cNvSpPr>
+          <p:nvPr>
+            <p:ph type="sldNum" sz="quarter" idx="10"/>
+          </p:nvPr>
+        </p:nvSpPr>
+        <p:spPr/>
+        <p:txBody>
+          <a:bodyPr/>
+          <a:lstStyle/>
+          <a:p>
+            <a:fld id="{DF7E7803-7780-45CE-B7DD-12B724215A49}" type="slidenum">
+              <a:rPr lang="en-US" smtClean="0"/>
+              <a:t>4</a:t>
+            </a:fld>
+            <a:endParaRPr lang="en-US"/>
+          </a:p>
+        </p:txBody>
+      </p:sp>
+    </p:spTree>
+    <p:extLst>
+      <p:ext uri="{BB962C8B-B14F-4D97-AF65-F5344CB8AC3E}">
+        <p14:creationId xmlns:p14="http://schemas.microsoft.com/office/powerpoint/2010/main" val="4073405557"/>
+      </p:ext>
+    </p:extLst>
+  </p:cSld>
+  <p:clrMapOvr>
+    <a:masterClrMapping/>
+  </p:clrMapOvr>
+</p:notes>
+</file>
+
+<file path=ppt/notesSlides/notesSlide4.xml><?xml version="1.0" encoding="utf-8"?>
+<p:notes xmlns:a="http://schemas.openxmlformats.org/drawingml/2006/main" xmlns:r="http://schemas.openxmlformats.org/officeDocument/2006/relationships" xmlns:p="http://schemas.openxmlformats.org/presentationml/2006/main">
+  <p:cSld>
+    <p:spTree>
+      <p:nvGrpSpPr>
+        <p:cNvPr id="1" name=""/>
+        <p:cNvGrpSpPr/>
+        <p:nvPr/>
+      </p:nvGrpSpPr>
+      <p:grpSpPr>
+        <a:xfrm>
+          <a:off x="0" y="0"/>
+          <a:ext cx="0" cy="0"/>
+          <a:chOff x="0" y="0"/>
+          <a:chExt cx="0" cy="0"/>
+        </a:xfrm>
+      </p:grpSpPr>
+      <p:sp>
+        <p:nvSpPr>
+          <p:cNvPr id="2" name="Slide Image Placeholder 1"/>
+          <p:cNvSpPr>
+            <a:spLocks noGrp="1" noRot="1" noChangeAspect="1"/>
+          </p:cNvSpPr>
+          <p:nvPr>
+            <p:ph type="sldImg"/>
+          </p:nvPr>
+        </p:nvSpPr>
+        <p:spPr/>
+      </p:sp>
+      <p:sp>
+        <p:nvSpPr>
+          <p:cNvPr id="3" name="Notes Placeholder 2"/>
+          <p:cNvSpPr>
+            <a:spLocks noGrp="1"/>
+          </p:cNvSpPr>
+          <p:nvPr>
+            <p:ph type="body" idx="1"/>
+          </p:nvPr>
+        </p:nvSpPr>
+        <p:spPr/>
+        <p:txBody>
+          <a:bodyPr/>
+          <a:lstStyle/>
+          <a:p>
+            <a:r>
+              <a:rPr lang="en-US" dirty="0"/>
+              <a:t>Talk</a:t>
+            </a:r>
+            <a:r>
+              <a:rPr lang="en-US" baseline="0" dirty="0"/>
+              <a:t> about how many times this problem has been tackled, and maybe use the link. Also mention that on </a:t>
+            </a:r>
+            <a:r>
+              <a:rPr lang="en-US" baseline="0" dirty="0" err="1"/>
+              <a:t>kaggle</a:t>
+            </a:r>
+            <a:r>
+              <a:rPr lang="en-US" baseline="0" dirty="0"/>
+              <a:t>, around 20 people have gotten an accuracy of 100%</a:t>
+            </a:r>
+            <a:endParaRPr lang="en-US" dirty="0"/>
+          </a:p>
+        </p:txBody>
+      </p:sp>
+      <p:sp>
+        <p:nvSpPr>
+          <p:cNvPr id="4" name="Slide Number Placeholder 3"/>
+          <p:cNvSpPr>
+            <a:spLocks noGrp="1"/>
+          </p:cNvSpPr>
+          <p:nvPr>
+            <p:ph type="sldNum" sz="quarter" idx="10"/>
+          </p:nvPr>
+        </p:nvSpPr>
+        <p:spPr/>
+        <p:txBody>
+          <a:bodyPr/>
+          <a:lstStyle/>
+          <a:p>
+            <a:fld id="{DF7E7803-7780-45CE-B7DD-12B724215A49}" type="slidenum">
+              <a:rPr lang="en-US" smtClean="0"/>
+              <a:t>5</a:t>
+            </a:fld>
+            <a:endParaRPr lang="en-US"/>
+          </a:p>
+        </p:txBody>
+      </p:sp>
+    </p:spTree>
+    <p:extLst>
+      <p:ext uri="{BB962C8B-B14F-4D97-AF65-F5344CB8AC3E}">
+        <p14:creationId xmlns:p14="http://schemas.microsoft.com/office/powerpoint/2010/main" val="276714661"/>
+      </p:ext>
+    </p:extLst>
+  </p:cSld>
+  <p:clrMapOvr>
+    <a:masterClrMapping/>
+  </p:clrMapOvr>
+</p:notes>
+</file>
+
+<file path=ppt/notesSlides/notesSlide5.xml><?xml version="1.0" encoding="utf-8"?>
+<p:notes xmlns:a="http://schemas.openxmlformats.org/drawingml/2006/main" xmlns:r="http://schemas.openxmlformats.org/officeDocument/2006/relationships" xmlns:p="http://schemas.openxmlformats.org/presentationml/2006/main">
+  <p:cSld>
+    <p:spTree>
+      <p:nvGrpSpPr>
+        <p:cNvPr id="1" name=""/>
+        <p:cNvGrpSpPr/>
+        <p:nvPr/>
+      </p:nvGrpSpPr>
+      <p:grpSpPr>
+        <a:xfrm>
+          <a:off x="0" y="0"/>
+          <a:ext cx="0" cy="0"/>
+          <a:chOff x="0" y="0"/>
+          <a:chExt cx="0" cy="0"/>
+        </a:xfrm>
+      </p:grpSpPr>
+      <p:sp>
+        <p:nvSpPr>
+          <p:cNvPr id="2" name="Slide Image Placeholder 1"/>
+          <p:cNvSpPr>
+            <a:spLocks noGrp="1" noRot="1" noChangeAspect="1"/>
+          </p:cNvSpPr>
+          <p:nvPr>
+            <p:ph type="sldImg"/>
+          </p:nvPr>
+        </p:nvSpPr>
+        <p:spPr/>
+      </p:sp>
+      <p:sp>
+        <p:nvSpPr>
+          <p:cNvPr id="3" name="Notes Placeholder 2"/>
+          <p:cNvSpPr>
+            <a:spLocks noGrp="1"/>
+          </p:cNvSpPr>
+          <p:nvPr>
+            <p:ph type="body" idx="1"/>
+          </p:nvPr>
+        </p:nvSpPr>
+        <p:spPr/>
+        <p:txBody>
+          <a:bodyPr/>
+          <a:lstStyle/>
+          <a:p>
+            <a:r>
+              <a:rPr lang="en-US"/>
+              <a:t>You </a:t>
+            </a:r>
+            <a:endParaRPr lang="en-US" dirty="0"/>
+          </a:p>
+        </p:txBody>
+      </p:sp>
+      <p:sp>
+        <p:nvSpPr>
+          <p:cNvPr id="4" name="Slide Number Placeholder 3"/>
+          <p:cNvSpPr>
+            <a:spLocks noGrp="1"/>
+          </p:cNvSpPr>
+          <p:nvPr>
+            <p:ph type="sldNum" sz="quarter" idx="10"/>
+          </p:nvPr>
+        </p:nvSpPr>
+        <p:spPr/>
+        <p:txBody>
+          <a:bodyPr/>
+          <a:lstStyle/>
+          <a:p>
+            <a:fld id="{DF7E7803-7780-45CE-B7DD-12B724215A49}" type="slidenum">
+              <a:rPr lang="en-US" smtClean="0"/>
+              <a:t>6</a:t>
+            </a:fld>
+            <a:endParaRPr lang="en-US"/>
+          </a:p>
+        </p:txBody>
+      </p:sp>
+    </p:spTree>
+    <p:extLst>
+      <p:ext uri="{BB962C8B-B14F-4D97-AF65-F5344CB8AC3E}">
+        <p14:creationId xmlns:p14="http://schemas.microsoft.com/office/powerpoint/2010/main" val="2028702082"/>
+      </p:ext>
+    </p:extLst>
+  </p:cSld>
+  <p:clrMapOvr>
+    <a:masterClrMapping/>
+  </p:clrMapOvr>
+</p:notes>
+</file>
+
+<file path=ppt/notesSlides/notesSlide6.xml><?xml version="1.0" encoding="utf-8"?>
+<p:notes xmlns:a="http://schemas.openxmlformats.org/drawingml/2006/main" xmlns:r="http://schemas.openxmlformats.org/officeDocument/2006/relationships" xmlns:p="http://schemas.openxmlformats.org/presentationml/2006/main">
+  <p:cSld>
+    <p:spTree>
+      <p:nvGrpSpPr>
+        <p:cNvPr id="1" name=""/>
+        <p:cNvGrpSpPr/>
+        <p:nvPr/>
+      </p:nvGrpSpPr>
+      <p:grpSpPr>
+        <a:xfrm>
+          <a:off x="0" y="0"/>
+          <a:ext cx="0" cy="0"/>
+          <a:chOff x="0" y="0"/>
+          <a:chExt cx="0" cy="0"/>
+        </a:xfrm>
+      </p:grpSpPr>
+      <p:sp>
+        <p:nvSpPr>
+          <p:cNvPr id="2" name="Slide Image Placeholder 1"/>
+          <p:cNvSpPr>
+            <a:spLocks noGrp="1" noRot="1" noChangeAspect="1"/>
+          </p:cNvSpPr>
+          <p:nvPr>
+            <p:ph type="sldImg"/>
+          </p:nvPr>
+        </p:nvSpPr>
+        <p:spPr/>
+      </p:sp>
+      <p:sp>
+        <p:nvSpPr>
+          <p:cNvPr id="3" name="Notes Placeholder 2"/>
+          <p:cNvSpPr>
+            <a:spLocks noGrp="1"/>
+          </p:cNvSpPr>
+          <p:nvPr>
+            <p:ph type="body" idx="1"/>
+          </p:nvPr>
+        </p:nvSpPr>
+        <p:spPr/>
+        <p:txBody>
+          <a:bodyPr/>
+          <a:lstStyle/>
+          <a:p>
+            <a:pPr marL="0" marR="0" lvl="0" indent="0" algn="l" defTabSz="914400" rtl="0" eaLnBrk="1" fontAlgn="auto" latinLnBrk="0" hangingPunct="1">
+              <a:lnSpc>
+                <a:spcPct val="100000"/>
+              </a:lnSpc>
+              <a:spcBef>
+                <a:spcPts val="0"/>
+              </a:spcBef>
+              <a:spcAft>
+                <a:spcPts val="0"/>
+              </a:spcAft>
+              <a:buClrTx/>
+              <a:buSzTx/>
+              <a:buFontTx/>
+              <a:buNone/>
+              <a:tabLst/>
+              <a:defRPr/>
+            </a:pPr>
+            <a:r>
+              <a:rPr lang="en-US" dirty="0"/>
               <a:t>Convolution</a:t>
             </a:r>
             <a:r>
@@ -628,6 +1006,9 @@
               <a:rPr lang="en-US" baseline="0" dirty="0"/>
               <a:t> to minimize dimensions, and FC layer is the output layer.</a:t>
             </a:r>
+            <a:endParaRPr lang="en-US" dirty="0"/>
+          </a:p>
+          <a:p>
             <a:endParaRPr lang="en-US" dirty="0"/>
           </a:p>
         </p:txBody>
@@ -658,7 +1039,99 @@
     </p:spTree>
     <p:extLst>
       <p:ext uri="{BB962C8B-B14F-4D97-AF65-F5344CB8AC3E}">
-        <p14:creationId xmlns:p14="http://schemas.microsoft.com/office/powerpoint/2010/main" val="2028702082"/>
+        <p14:creationId xmlns:p14="http://schemas.microsoft.com/office/powerpoint/2010/main" val="3361010385"/>
+      </p:ext>
+    </p:extLst>
+  </p:cSld>
+  <p:clrMapOvr>
+    <a:masterClrMapping/>
+  </p:clrMapOvr>
+</p:notes>
+</file>
+
+<file path=ppt/notesSlides/notesSlide7.xml><?xml version="1.0" encoding="utf-8"?>
+<p:notes xmlns:a="http://schemas.openxmlformats.org/drawingml/2006/main" xmlns:r="http://schemas.openxmlformats.org/officeDocument/2006/relationships" xmlns:p="http://schemas.openxmlformats.org/presentationml/2006/main">
+  <p:cSld>
+    <p:spTree>
+      <p:nvGrpSpPr>
+        <p:cNvPr id="1" name=""/>
+        <p:cNvGrpSpPr/>
+        <p:nvPr/>
+      </p:nvGrpSpPr>
+      <p:grpSpPr>
+        <a:xfrm>
+          <a:off x="0" y="0"/>
+          <a:ext cx="0" cy="0"/>
+          <a:chOff x="0" y="0"/>
+          <a:chExt cx="0" cy="0"/>
+        </a:xfrm>
+      </p:grpSpPr>
+      <p:sp>
+        <p:nvSpPr>
+          <p:cNvPr id="2" name="Slide Image Placeholder 1"/>
+          <p:cNvSpPr>
+            <a:spLocks noGrp="1" noRot="1" noChangeAspect="1"/>
+          </p:cNvSpPr>
+          <p:nvPr>
+            <p:ph type="sldImg"/>
+          </p:nvPr>
+        </p:nvSpPr>
+        <p:spPr/>
+      </p:sp>
+      <p:sp>
+        <p:nvSpPr>
+          <p:cNvPr id="3" name="Notes Placeholder 2"/>
+          <p:cNvSpPr>
+            <a:spLocks noGrp="1"/>
+          </p:cNvSpPr>
+          <p:nvPr>
+            <p:ph type="body" idx="1"/>
+          </p:nvPr>
+        </p:nvSpPr>
+        <p:spPr/>
+        <p:txBody>
+          <a:bodyPr/>
+          <a:lstStyle/>
+          <a:p>
+            <a:r>
+              <a:rPr lang="en-US" dirty="0"/>
+              <a:t>Make the example of Random Forest</a:t>
+            </a:r>
+            <a:r>
+              <a:rPr lang="en-US" baseline="0" dirty="0"/>
+              <a:t> how everyone’s a decision tree.</a:t>
+            </a:r>
+            <a:endParaRPr lang="en-US" dirty="0"/>
+          </a:p>
+        </p:txBody>
+      </p:sp>
+      <p:sp>
+        <p:nvSpPr>
+          <p:cNvPr id="4" name="Slide Number Placeholder 3"/>
+          <p:cNvSpPr>
+            <a:spLocks noGrp="1"/>
+          </p:cNvSpPr>
+          <p:nvPr>
+            <p:ph type="sldNum" sz="quarter" idx="10"/>
+          </p:nvPr>
+        </p:nvSpPr>
+        <p:spPr/>
+        <p:txBody>
+          <a:bodyPr/>
+          <a:lstStyle/>
+          <a:p>
+            <a:fld id="{DF7E7803-7780-45CE-B7DD-12B724215A49}" type="slidenum">
+              <a:rPr lang="en-US" smtClean="0"/>
+              <a:t>8</a:t>
+            </a:fld>
+            <a:endParaRPr lang="en-US"/>
+          </a:p>
+        </p:txBody>
+      </p:sp>
+    </p:spTree>
+    <p:extLst>
+      <p:ext uri="{BB962C8B-B14F-4D97-AF65-F5344CB8AC3E}">
+        <p14:creationId xmlns:p14="http://schemas.microsoft.com/office/powerpoint/2010/main" val="2458298773"/>
       </p:ext>
     </p:extLst>
   </p:cSld>
@@ -894,7 +1367,7 @@
           <a:p>
             <a:fld id="{C53A2C23-9180-400D-95DE-F61463C9005E}" type="datetimeFigureOut">
               <a:rPr lang="en-US" smtClean="0"/>
-              <a:t>12/1/2016</a:t>
+              <a:t>12/7/2016</a:t>
             </a:fld>
             <a:endParaRPr lang="en-US"/>
           </a:p>
@@ -1102,7 +1575,7 @@
           <a:p>
             <a:fld id="{C53A2C23-9180-400D-95DE-F61463C9005E}" type="datetimeFigureOut">
               <a:rPr lang="en-US" smtClean="0"/>
-              <a:t>12/1/2016</a:t>
+              <a:t>12/7/2016</a:t>
             </a:fld>
             <a:endParaRPr lang="en-US"/>
           </a:p>
@@ -1358,7 +1831,7 @@
           <a:p>
             <a:fld id="{C53A2C23-9180-400D-95DE-F61463C9005E}" type="datetimeFigureOut">
               <a:rPr lang="en-US" smtClean="0"/>
-              <a:t>12/1/2016</a:t>
+              <a:t>12/7/2016</a:t>
             </a:fld>
             <a:endParaRPr lang="en-US"/>
           </a:p>
@@ -1532,7 +2005,7 @@
           <a:p>
             <a:fld id="{C53A2C23-9180-400D-95DE-F61463C9005E}" type="datetimeFigureOut">
               <a:rPr lang="en-US" smtClean="0"/>
-              <a:t>12/1/2016</a:t>
+              <a:t>12/7/2016</a:t>
             </a:fld>
             <a:endParaRPr lang="en-US"/>
           </a:p>
@@ -1875,7 +2348,7 @@
           <a:p>
             <a:fld id="{C53A2C23-9180-400D-95DE-F61463C9005E}" type="datetimeFigureOut">
               <a:rPr lang="en-US" smtClean="0"/>
-              <a:t>12/1/2016</a:t>
+              <a:t>12/7/2016</a:t>
             </a:fld>
             <a:endParaRPr lang="en-US"/>
           </a:p>
@@ -2150,7 +2623,7 @@
           <a:p>
             <a:fld id="{C53A2C23-9180-400D-95DE-F61463C9005E}" type="datetimeFigureOut">
               <a:rPr lang="en-US" smtClean="0"/>
-              <a:t>12/1/2016</a:t>
+              <a:t>12/7/2016</a:t>
             </a:fld>
             <a:endParaRPr lang="en-US"/>
           </a:p>
@@ -2529,7 +3002,7 @@
           <a:p>
             <a:fld id="{C53A2C23-9180-400D-95DE-F61463C9005E}" type="datetimeFigureOut">
               <a:rPr lang="en-US" smtClean="0"/>
-              <a:t>12/1/2016</a:t>
+              <a:t>12/7/2016</a:t>
             </a:fld>
             <a:endParaRPr lang="en-US"/>
           </a:p>
@@ -2647,7 +3120,7 @@
           <a:p>
             <a:fld id="{C53A2C23-9180-400D-95DE-F61463C9005E}" type="datetimeFigureOut">
               <a:rPr lang="en-US" smtClean="0"/>
-              <a:t>12/1/2016</a:t>
+              <a:t>12/7/2016</a:t>
             </a:fld>
             <a:endParaRPr lang="en-US"/>
           </a:p>
@@ -2818,7 +3291,7 @@
           <a:p>
             <a:fld id="{C53A2C23-9180-400D-95DE-F61463C9005E}" type="datetimeFigureOut">
               <a:rPr lang="en-US" smtClean="0"/>
-              <a:t>12/1/2016</a:t>
+              <a:t>12/7/2016</a:t>
             </a:fld>
             <a:endParaRPr lang="en-US"/>
           </a:p>
@@ -3172,7 +3645,7 @@
           <a:p>
             <a:fld id="{C53A2C23-9180-400D-95DE-F61463C9005E}" type="datetimeFigureOut">
               <a:rPr lang="en-US" smtClean="0"/>
-              <a:t>12/1/2016</a:t>
+              <a:t>12/7/2016</a:t>
             </a:fld>
             <a:endParaRPr lang="en-US"/>
           </a:p>
@@ -3554,7 +4027,7 @@
           <a:p>
             <a:fld id="{C53A2C23-9180-400D-95DE-F61463C9005E}" type="datetimeFigureOut">
               <a:rPr lang="en-US" smtClean="0"/>
-              <a:t>12/1/2016</a:t>
+              <a:t>12/7/2016</a:t>
             </a:fld>
             <a:endParaRPr lang="en-US"/>
           </a:p>
@@ -3841,7 +4314,7 @@
           <a:p>
             <a:fld id="{C53A2C23-9180-400D-95DE-F61463C9005E}" type="datetimeFigureOut">
               <a:rPr lang="en-US" smtClean="0"/>
-              <a:t>12/1/2016</a:t>
+              <a:t>12/7/2016</a:t>
             </a:fld>
             <a:endParaRPr lang="en-US"/>
           </a:p>
@@ -4422,6 +4895,213 @@
 </p:sld>
 </file>
 
+<file path=ppt/slides/slide10.xml><?xml version="1.0" encoding="utf-8"?>
+<p:sld xmlns:a="http://schemas.openxmlformats.org/drawingml/2006/main" xmlns:r="http://schemas.openxmlformats.org/officeDocument/2006/relationships" xmlns:p="http://schemas.openxmlformats.org/presentationml/2006/main">
+  <p:cSld>
+    <p:spTree>
+      <p:nvGrpSpPr>
+        <p:cNvPr id="1" name=""/>
+        <p:cNvGrpSpPr/>
+        <p:nvPr/>
+      </p:nvGrpSpPr>
+      <p:grpSpPr>
+        <a:xfrm>
+          <a:off x="0" y="0"/>
+          <a:ext cx="0" cy="0"/>
+          <a:chOff x="0" y="0"/>
+          <a:chExt cx="0" cy="0"/>
+        </a:xfrm>
+      </p:grpSpPr>
+      <p:sp>
+        <p:nvSpPr>
+          <p:cNvPr id="2" name="Title 1"/>
+          <p:cNvSpPr>
+            <a:spLocks noGrp="1"/>
+          </p:cNvSpPr>
+          <p:nvPr>
+            <p:ph type="title"/>
+          </p:nvPr>
+        </p:nvSpPr>
+        <p:spPr/>
+        <p:txBody>
+          <a:bodyPr/>
+          <a:lstStyle/>
+          <a:p>
+            <a:r>
+              <a:rPr lang="en-US" dirty="0"/>
+              <a:t>Sources </a:t>
+            </a:r>
+          </a:p>
+        </p:txBody>
+      </p:sp>
+      <p:sp>
+        <p:nvSpPr>
+          <p:cNvPr id="3" name="Content Placeholder 2"/>
+          <p:cNvSpPr>
+            <a:spLocks noGrp="1"/>
+          </p:cNvSpPr>
+          <p:nvPr>
+            <p:ph idx="1"/>
+          </p:nvPr>
+        </p:nvSpPr>
+        <p:spPr/>
+        <p:txBody>
+          <a:bodyPr/>
+          <a:lstStyle/>
+          <a:p>
+            <a:r>
+              <a:rPr lang="en-US" dirty="0"/>
+              <a:t>"Random Forests Leo </a:t>
+            </a:r>
+            <a:r>
+              <a:rPr lang="en-US" dirty="0" err="1"/>
+              <a:t>Breiman</a:t>
+            </a:r>
+            <a:r>
+              <a:rPr lang="en-US" dirty="0"/>
+              <a:t> and Adele Cutler." </a:t>
+            </a:r>
+            <a:r>
+              <a:rPr lang="en-US" i="1" dirty="0"/>
+              <a:t>Random Forests - Classification Description</a:t>
+            </a:r>
+            <a:r>
+              <a:rPr lang="en-US" dirty="0"/>
+              <a:t>. Berkeley.edu, </a:t>
+            </a:r>
+            <a:r>
+              <a:rPr lang="en-US" dirty="0" err="1"/>
+              <a:t>n.d.</a:t>
+            </a:r>
+            <a:r>
+              <a:rPr lang="en-US" dirty="0"/>
+              <a:t> Web. 07 Dec. 2016. </a:t>
+            </a:r>
+          </a:p>
+          <a:p>
+            <a:r>
+              <a:rPr lang="en-US" dirty="0"/>
+              <a:t>David </a:t>
+            </a:r>
+            <a:r>
+              <a:rPr lang="en-US" dirty="0" err="1"/>
+              <a:t>Dalisay</a:t>
+            </a:r>
+            <a:r>
+              <a:rPr lang="en-US" dirty="0"/>
+              <a:t> Junior Data Scientist at Booz Allen Hamilton, Michael McCarthy Cofounder, Kevin Beaulieu Software Engineer, and </a:t>
+            </a:r>
+            <a:r>
+              <a:rPr lang="en-US" dirty="0" err="1"/>
+              <a:t>Rizwan</a:t>
+            </a:r>
+            <a:r>
+              <a:rPr lang="en-US" dirty="0"/>
+              <a:t> </a:t>
+            </a:r>
+            <a:r>
+              <a:rPr lang="en-US" dirty="0" err="1"/>
+              <a:t>Mallal</a:t>
+            </a:r>
+            <a:r>
+              <a:rPr lang="en-US" dirty="0"/>
+              <a:t> Chief Operating Officer, Forum Systems. "Machine Learning Mastery." </a:t>
+            </a:r>
+            <a:r>
+              <a:rPr lang="en-US" i="1" dirty="0"/>
+              <a:t>Machine Learning Mastery</a:t>
+            </a:r>
+            <a:r>
+              <a:rPr lang="en-US" dirty="0"/>
+              <a:t>. Jason Brownlee, 14 Nov. 2016. Web. 07 Dec. 2016. </a:t>
+            </a:r>
+          </a:p>
+          <a:p>
+            <a:r>
+              <a:rPr lang="en-US" dirty="0"/>
+              <a:t>"Digit Recognizer." </a:t>
+            </a:r>
+            <a:r>
+              <a:rPr lang="en-US" i="1" dirty="0"/>
+              <a:t>Digit Recognizer | </a:t>
+            </a:r>
+            <a:r>
+              <a:rPr lang="en-US" i="1" dirty="0" err="1"/>
+              <a:t>Kaggle</a:t>
+            </a:r>
+            <a:r>
+              <a:rPr lang="en-US" dirty="0"/>
+              <a:t>. </a:t>
+            </a:r>
+            <a:r>
+              <a:rPr lang="en-US" dirty="0" err="1"/>
+              <a:t>Kaggle</a:t>
+            </a:r>
+            <a:r>
+              <a:rPr lang="en-US" dirty="0"/>
+              <a:t>, 25 July 2012. Web. 07 Dec. 2016. </a:t>
+            </a:r>
+          </a:p>
+          <a:p>
+            <a:r>
+              <a:rPr lang="en-US" dirty="0" err="1"/>
+              <a:t>LeCun</a:t>
+            </a:r>
+            <a:r>
+              <a:rPr lang="en-US" dirty="0"/>
+              <a:t>, Yann, </a:t>
+            </a:r>
+            <a:r>
+              <a:rPr lang="en-US" dirty="0" err="1"/>
+              <a:t>Corrina</a:t>
+            </a:r>
+            <a:r>
+              <a:rPr lang="en-US" dirty="0"/>
+              <a:t> Cortes, and Christopher J.C. Burges. "THE MNIST DATABASE." </a:t>
+            </a:r>
+            <a:r>
+              <a:rPr lang="en-US" i="1" dirty="0"/>
+              <a:t>MNIST Handwritten Digit Database, Yann </a:t>
+            </a:r>
+            <a:r>
+              <a:rPr lang="en-US" i="1" dirty="0" err="1"/>
+              <a:t>LeCun</a:t>
+            </a:r>
+            <a:r>
+              <a:rPr lang="en-US" i="1" dirty="0"/>
+              <a:t>, Corinna Cortes and Chris Burges</a:t>
+            </a:r>
+            <a:r>
+              <a:rPr lang="en-US" dirty="0"/>
+              <a:t>. NYU, </a:t>
+            </a:r>
+            <a:r>
+              <a:rPr lang="en-US" dirty="0" err="1"/>
+              <a:t>n.d.</a:t>
+            </a:r>
+            <a:r>
+              <a:rPr lang="en-US" dirty="0"/>
+              <a:t> Web. 07 Dec. 2016. </a:t>
+            </a:r>
+          </a:p>
+          <a:p>
+            <a:endParaRPr lang="en-US" dirty="0"/>
+          </a:p>
+        </p:txBody>
+      </p:sp>
+    </p:spTree>
+    <p:extLst>
+      <p:ext uri="{BB962C8B-B14F-4D97-AF65-F5344CB8AC3E}">
+        <p14:creationId xmlns:p14="http://schemas.microsoft.com/office/powerpoint/2010/main" val="1975537668"/>
+      </p:ext>
+    </p:extLst>
+  </p:cSld>
+  <p:clrMapOvr>
+    <a:masterClrMapping/>
+  </p:clrMapOvr>
+</p:sld>
+</file>
+
 <file path=ppt/slides/slide2.xml><?xml version="1.0" encoding="utf-8"?>
 <p:sld xmlns:a="http://schemas.openxmlformats.org/drawingml/2006/main" xmlns:r="http://schemas.openxmlformats.org/officeDocument/2006/relationships" xmlns:p="http://schemas.openxmlformats.org/presentationml/2006/main">
   <p:cSld>
@@ -4492,7 +5172,7 @@
           <p:nvPr/>
         </p:nvPicPr>
         <p:blipFill>
-          <a:blip r:embed="rId2">
+          <a:blip r:embed="rId3">
             <a:extLst>
               <a:ext uri="{28A0092B-C50C-407E-A947-70E740481C1C}">
                 <a14:useLocalDpi xmlns:a14="http://schemas.microsoft.com/office/drawing/2010/main" val="0"/>
@@ -4731,7 +5411,7 @@
           <a:p>
             <a:r>
               <a:rPr lang="en-US" dirty="0"/>
-              <a:t>Background</a:t>
+              <a:t>Background and Hypothesis</a:t>
             </a:r>
           </a:p>
         </p:txBody>
@@ -4757,12 +5437,9 @@
             </a:r>
           </a:p>
           <a:p>
-            <a:endParaRPr lang="en-US" dirty="0"/>
-          </a:p>
-          <a:p>
             <a:r>
               <a:rPr lang="en-US" dirty="0">
-                <a:hlinkClick r:id="rId2"/>
+                <a:hlinkClick r:id="rId3"/>
               </a:rPr>
               <a:t>http://yann.lecun.com/exdb/mnist/index.html</a:t>
             </a:r>
@@ -4770,6 +5447,15 @@
               <a:rPr lang="en-US" dirty="0"/>
               <a:t> </a:t>
             </a:r>
+          </a:p>
+          <a:p>
+            <a:endParaRPr lang="en-US" dirty="0"/>
+          </a:p>
+          <a:p>
+            <a:endParaRPr lang="en-US" dirty="0"/>
+          </a:p>
+          <a:p>
+            <a:endParaRPr lang="en-US" dirty="0"/>
           </a:p>
         </p:txBody>
       </p:sp>
@@ -4813,14 +5499,19 @@
             <p:ph type="title"/>
           </p:nvPr>
         </p:nvSpPr>
-        <p:spPr/>
+        <p:spPr>
+          <a:xfrm>
+            <a:off x="1097280" y="211874"/>
+            <a:ext cx="10058400" cy="1450757"/>
+          </a:xfrm>
+        </p:spPr>
         <p:txBody>
           <a:bodyPr/>
           <a:lstStyle/>
           <a:p>
             <a:r>
               <a:rPr lang="en-US" dirty="0"/>
-              <a:t>Methodology</a:t>
+              <a:t>Methodology: K Nearest Neighbors</a:t>
             </a:r>
           </a:p>
         </p:txBody>
@@ -4842,21 +5533,27 @@
           <a:p>
             <a:r>
               <a:rPr lang="en-US" dirty="0"/>
-              <a:t>Use a convolutional neural network to read the digits</a:t>
-            </a:r>
-          </a:p>
-          <a:p>
-            <a:endParaRPr lang="en-US" dirty="0"/>
-          </a:p>
-          <a:p>
-            <a:endParaRPr lang="en-US" dirty="0"/>
+              <a:t>Ran a simple K nearest neighbors</a:t>
+            </a:r>
+          </a:p>
+          <a:p>
+            <a:r>
+              <a:rPr lang="en-US" dirty="0"/>
+              <a:t>Took about an hour or two to complete.</a:t>
+            </a:r>
+          </a:p>
+          <a:p>
+            <a:r>
+              <a:rPr lang="en-US" dirty="0"/>
+              <a:t>94% accuracy. </a:t>
+            </a:r>
           </a:p>
         </p:txBody>
       </p:sp>
     </p:spTree>
     <p:extLst>
       <p:ext uri="{BB962C8B-B14F-4D97-AF65-F5344CB8AC3E}">
-        <p14:creationId xmlns:p14="http://schemas.microsoft.com/office/powerpoint/2010/main" val="2973201832"/>
+        <p14:creationId xmlns:p14="http://schemas.microsoft.com/office/powerpoint/2010/main" val="2172679293"/>
       </p:ext>
     </p:extLst>
   </p:cSld>
@@ -4893,18 +5590,21 @@
             <p:ph type="title"/>
           </p:nvPr>
         </p:nvSpPr>
-        <p:spPr/>
-        <p:txBody>
-          <a:bodyPr/>
-          <a:lstStyle/>
-          <a:p>
-            <a:r>
-              <a:rPr lang="en-US" dirty="0" err="1"/>
-              <a:t>Convulsional</a:t>
-            </a:r>
+        <p:spPr>
+          <a:xfrm>
+            <a:off x="1101685" y="735980"/>
+            <a:ext cx="10058400" cy="803687"/>
+          </a:xfrm>
+        </p:spPr>
+        <p:txBody>
+          <a:bodyPr>
+            <a:normAutofit fontScale="90000"/>
+          </a:bodyPr>
+          <a:lstStyle/>
+          <a:p>
             <a:r>
               <a:rPr lang="en-US" dirty="0"/>
-              <a:t> Neural Network</a:t>
+              <a:t>Methodology: Convolutional Neural Network</a:t>
             </a:r>
           </a:p>
         </p:txBody>
@@ -4919,10 +5619,21 @@
             <p:ph idx="1"/>
           </p:nvPr>
         </p:nvSpPr>
-        <p:spPr/>
-        <p:txBody>
-          <a:bodyPr/>
-          <a:lstStyle/>
+        <p:spPr>
+          <a:xfrm>
+            <a:off x="1101685" y="1772304"/>
+            <a:ext cx="11345365" cy="4632257"/>
+          </a:xfrm>
+        </p:spPr>
+        <p:txBody>
+          <a:bodyPr/>
+          <a:lstStyle/>
+          <a:p>
+            <a:r>
+              <a:rPr lang="en-US" dirty="0"/>
+              <a:t>Use a convolutional neural network to read the digits</a:t>
+            </a:r>
+          </a:p>
           <a:p>
             <a:r>
               <a:rPr lang="en-US" dirty="0"/>
@@ -4956,12 +5667,62 @@
               <a:t>Fully Connected</a:t>
             </a:r>
           </a:p>
-        </p:txBody>
-      </p:sp>
+          <a:p>
+            <a:r>
+              <a:rPr lang="en-US" dirty="0"/>
+              <a:t>About 96% accuracy</a:t>
+            </a:r>
+          </a:p>
+          <a:p>
+            <a:endParaRPr lang="en-US" dirty="0"/>
+          </a:p>
+        </p:txBody>
+      </p:sp>
+      <p:pic>
+        <p:nvPicPr>
+          <p:cNvPr id="1026" name="Picture 2" descr="Image result for convolutional neural network"/>
+          <p:cNvPicPr>
+            <a:picLocks noChangeAspect="1" noChangeArrowheads="1"/>
+          </p:cNvPicPr>
+          <p:nvPr/>
+        </p:nvPicPr>
+        <p:blipFill>
+          <a:blip r:embed="rId3">
+            <a:extLst>
+              <a:ext uri="{28A0092B-C50C-407E-A947-70E740481C1C}">
+                <a14:useLocalDpi xmlns:a14="http://schemas.microsoft.com/office/drawing/2010/main" val="0"/>
+              </a:ext>
+            </a:extLst>
+          </a:blip>
+          <a:srcRect/>
+          <a:stretch>
+            <a:fillRect/>
+          </a:stretch>
+        </p:blipFill>
+        <p:spPr bwMode="auto">
+          <a:xfrm>
+            <a:off x="4648201" y="2756995"/>
+            <a:ext cx="3333822" cy="1184384"/>
+          </a:xfrm>
+          <a:prstGeom prst="rect">
+            <a:avLst/>
+          </a:prstGeom>
+          <a:noFill/>
+          <a:extLst>
+            <a:ext uri="{909E8E84-426E-40DD-AFC4-6F175D3DCCD1}">
+              <a14:hiddenFill xmlns:a14="http://schemas.microsoft.com/office/drawing/2010/main">
+                <a:solidFill>
+                  <a:srgbClr val="FFFFFF"/>
+                </a:solidFill>
+              </a14:hiddenFill>
+            </a:ext>
+          </a:extLst>
+        </p:spPr>
+      </p:pic>
     </p:spTree>
     <p:extLst>
       <p:ext uri="{BB962C8B-B14F-4D97-AF65-F5344CB8AC3E}">
-        <p14:creationId xmlns:p14="http://schemas.microsoft.com/office/powerpoint/2010/main" val="2172679293"/>
+        <p14:creationId xmlns:p14="http://schemas.microsoft.com/office/powerpoint/2010/main" val="2973201832"/>
       </p:ext>
     </p:extLst>
   </p:cSld>
@@ -5005,7 +5766,7 @@
           <a:p>
             <a:r>
               <a:rPr lang="en-US" dirty="0"/>
-              <a:t>In the case of the MNIST data…</a:t>
+              <a:t>Methodology: Random Forest </a:t>
             </a:r>
           </a:p>
         </p:txBody>
@@ -5027,19 +5788,19 @@
           <a:p>
             <a:r>
               <a:rPr lang="en-US" dirty="0"/>
-              <a:t>The first layer takes the image and makes a 5 x 5 grid.</a:t>
+              <a:t>The last algorithm on my list</a:t>
             </a:r>
           </a:p>
           <a:p>
             <a:r>
               <a:rPr lang="en-US" dirty="0"/>
-              <a:t>Layer 2 pools the grid to a size of 2 x 2</a:t>
+              <a:t>Creates a bunch of different decision trees and takes the majority vote.</a:t>
             </a:r>
           </a:p>
           <a:p>
             <a:r>
               <a:rPr lang="en-US" dirty="0"/>
-              <a:t>The final layer has 10 neurons to give the 10 different possibilities</a:t>
+              <a:t>Haven’t tested it yet</a:t>
             </a:r>
           </a:p>
         </p:txBody>
@@ -5116,7 +5877,7 @@
             </a:pPr>
             <a:r>
               <a:rPr lang="en-US" dirty="0"/>
-              <a:t>The goal is to have a error rate of &gt;2%</a:t>
+              <a:t>The goal is to have a error rate of &lt;2%</a:t>
             </a:r>
           </a:p>
           <a:p>
@@ -5131,7 +5892,7 @@
             </a:pPr>
             <a:r>
               <a:rPr lang="en-US" dirty="0"/>
-              <a:t>K Nearest Neighbors unfortunately does not meet that goal</a:t>
+              <a:t>K Nearest Neighbors unfortunately does not meet that goal, but Random Forest hopefully could.</a:t>
             </a:r>
           </a:p>
         </p:txBody>

--- a/baler-prj/presentation/baker-MNIST.pptx
+++ b/baler-prj/presentation/baker-MNIST.pptx
@@ -206,7 +206,7 @@
           <a:p>
             <a:fld id="{67748145-11E4-4D2E-83D0-A3D3C3520227}" type="datetimeFigureOut">
               <a:rPr lang="en-US" smtClean="0"/>
-              <a:t>12/7/2016</a:t>
+              <a:t>12/8/2016</a:t>
             </a:fld>
             <a:endParaRPr lang="en-US"/>
           </a:p>
@@ -1367,7 +1367,7 @@
           <a:p>
             <a:fld id="{C53A2C23-9180-400D-95DE-F61463C9005E}" type="datetimeFigureOut">
               <a:rPr lang="en-US" smtClean="0"/>
-              <a:t>12/7/2016</a:t>
+              <a:t>12/8/2016</a:t>
             </a:fld>
             <a:endParaRPr lang="en-US"/>
           </a:p>
@@ -1575,7 +1575,7 @@
           <a:p>
             <a:fld id="{C53A2C23-9180-400D-95DE-F61463C9005E}" type="datetimeFigureOut">
               <a:rPr lang="en-US" smtClean="0"/>
-              <a:t>12/7/2016</a:t>
+              <a:t>12/8/2016</a:t>
             </a:fld>
             <a:endParaRPr lang="en-US"/>
           </a:p>
@@ -1831,7 +1831,7 @@
           <a:p>
             <a:fld id="{C53A2C23-9180-400D-95DE-F61463C9005E}" type="datetimeFigureOut">
               <a:rPr lang="en-US" smtClean="0"/>
-              <a:t>12/7/2016</a:t>
+              <a:t>12/8/2016</a:t>
             </a:fld>
             <a:endParaRPr lang="en-US"/>
           </a:p>
@@ -2005,7 +2005,7 @@
           <a:p>
             <a:fld id="{C53A2C23-9180-400D-95DE-F61463C9005E}" type="datetimeFigureOut">
               <a:rPr lang="en-US" smtClean="0"/>
-              <a:t>12/7/2016</a:t>
+              <a:t>12/8/2016</a:t>
             </a:fld>
             <a:endParaRPr lang="en-US"/>
           </a:p>
@@ -2348,7 +2348,7 @@
           <a:p>
             <a:fld id="{C53A2C23-9180-400D-95DE-F61463C9005E}" type="datetimeFigureOut">
               <a:rPr lang="en-US" smtClean="0"/>
-              <a:t>12/7/2016</a:t>
+              <a:t>12/8/2016</a:t>
             </a:fld>
             <a:endParaRPr lang="en-US"/>
           </a:p>
@@ -2623,7 +2623,7 @@
           <a:p>
             <a:fld id="{C53A2C23-9180-400D-95DE-F61463C9005E}" type="datetimeFigureOut">
               <a:rPr lang="en-US" smtClean="0"/>
-              <a:t>12/7/2016</a:t>
+              <a:t>12/8/2016</a:t>
             </a:fld>
             <a:endParaRPr lang="en-US"/>
           </a:p>
@@ -3002,7 +3002,7 @@
           <a:p>
             <a:fld id="{C53A2C23-9180-400D-95DE-F61463C9005E}" type="datetimeFigureOut">
               <a:rPr lang="en-US" smtClean="0"/>
-              <a:t>12/7/2016</a:t>
+              <a:t>12/8/2016</a:t>
             </a:fld>
             <a:endParaRPr lang="en-US"/>
           </a:p>
@@ -3120,7 +3120,7 @@
           <a:p>
             <a:fld id="{C53A2C23-9180-400D-95DE-F61463C9005E}" type="datetimeFigureOut">
               <a:rPr lang="en-US" smtClean="0"/>
-              <a:t>12/7/2016</a:t>
+              <a:t>12/8/2016</a:t>
             </a:fld>
             <a:endParaRPr lang="en-US"/>
           </a:p>
@@ -3291,7 +3291,7 @@
           <a:p>
             <a:fld id="{C53A2C23-9180-400D-95DE-F61463C9005E}" type="datetimeFigureOut">
               <a:rPr lang="en-US" smtClean="0"/>
-              <a:t>12/7/2016</a:t>
+              <a:t>12/8/2016</a:t>
             </a:fld>
             <a:endParaRPr lang="en-US"/>
           </a:p>
@@ -3645,7 +3645,7 @@
           <a:p>
             <a:fld id="{C53A2C23-9180-400D-95DE-F61463C9005E}" type="datetimeFigureOut">
               <a:rPr lang="en-US" smtClean="0"/>
-              <a:t>12/7/2016</a:t>
+              <a:t>12/8/2016</a:t>
             </a:fld>
             <a:endParaRPr lang="en-US"/>
           </a:p>
@@ -4027,7 +4027,7 @@
           <a:p>
             <a:fld id="{C53A2C23-9180-400D-95DE-F61463C9005E}" type="datetimeFigureOut">
               <a:rPr lang="en-US" smtClean="0"/>
-              <a:t>12/7/2016</a:t>
+              <a:t>12/8/2016</a:t>
             </a:fld>
             <a:endParaRPr lang="en-US"/>
           </a:p>
@@ -4314,7 +4314,7 @@
           <a:p>
             <a:fld id="{C53A2C23-9180-400D-95DE-F61463C9005E}" type="datetimeFigureOut">
               <a:rPr lang="en-US" smtClean="0"/>
-              <a:t>12/7/2016</a:t>
+              <a:t>12/8/2016</a:t>
             </a:fld>
             <a:endParaRPr lang="en-US"/>
           </a:p>
@@ -5433,25 +5433,12 @@
           <a:p>
             <a:r>
               <a:rPr lang="en-US" dirty="0"/>
-              <a:t>There have been many attempts to make an accurate model </a:t>
-            </a:r>
-          </a:p>
-          <a:p>
-            <a:r>
-              <a:rPr lang="en-US" dirty="0">
-                <a:hlinkClick r:id="rId3"/>
-              </a:rPr>
-              <a:t>http://yann.lecun.com/exdb/mnist/index.html</a:t>
-            </a:r>
-            <a:r>
-              <a:rPr lang="en-US" dirty="0"/>
-              <a:t> </a:t>
-            </a:r>
-          </a:p>
-          <a:p>
-            <a:endParaRPr lang="en-US" dirty="0"/>
-          </a:p>
-          <a:p>
+              <a:t>There have been many attempts to make an </a:t>
+            </a:r>
+            <a:r>
+              <a:rPr lang="en-US"/>
+              <a:t>accurate model</a:t>
+            </a:r>
             <a:endParaRPr lang="en-US" dirty="0"/>
           </a:p>
           <a:p>
